--- a/Session_01/Session-01.pptx
+++ b/Session_01/Session-01.pptx
@@ -404,7 +404,7 @@
           <a:p>
             <a:fld id="{BE292657-F949-4EB0-8214-8326A5CBD4FD}" type="datetimeFigureOut">
               <a:rPr lang="en-US" smtClean="0"/>
-              <a:t>2/26/2022</a:t>
+              <a:t>1/3/23</a:t>
             </a:fld>
             <a:endParaRPr lang="en-US"/>
           </a:p>
@@ -895,7 +895,7 @@
           <a:p>
             <a:fld id="{0ACB4B7C-78FE-41F8-9ED2-ADBDDA9DE3CA}" type="datetime1">
               <a:rPr lang="en-US" smtClean="0"/>
-              <a:t>2/26/2022</a:t>
+              <a:t>1/3/23</a:t>
             </a:fld>
             <a:endParaRPr lang="en-US"/>
           </a:p>
@@ -1106,7 +1106,7 @@
           <a:p>
             <a:fld id="{AA141C26-9B01-4994-8F61-A641C35A28A0}" type="datetime1">
               <a:rPr lang="en-US" smtClean="0"/>
-              <a:t>2/26/2022</a:t>
+              <a:t>1/3/23</a:t>
             </a:fld>
             <a:endParaRPr lang="en-US"/>
           </a:p>
@@ -1360,7 +1360,7 @@
           <a:p>
             <a:fld id="{08451999-8452-4809-B305-4591E7E75DE6}" type="datetime1">
               <a:rPr lang="en-US" smtClean="0"/>
-              <a:t>2/26/2022</a:t>
+              <a:t>1/3/23</a:t>
             </a:fld>
             <a:endParaRPr lang="en-US"/>
           </a:p>
@@ -1532,7 +1532,7 @@
           <a:p>
             <a:fld id="{BCDB7CE7-A0F4-4634-BD93-8831D0F1C4FF}" type="datetime1">
               <a:rPr lang="en-US" smtClean="0"/>
-              <a:t>2/26/2022</a:t>
+              <a:t>1/3/23</a:t>
             </a:fld>
             <a:endParaRPr lang="en-US"/>
           </a:p>
@@ -1874,7 +1874,7 @@
           <a:p>
             <a:fld id="{F01D85E9-0FA5-458D-B085-5514D578EFAD}" type="datetime1">
               <a:rPr lang="en-US" smtClean="0"/>
-              <a:t>2/26/2022</a:t>
+              <a:t>1/3/23</a:t>
             </a:fld>
             <a:endParaRPr lang="en-US"/>
           </a:p>
@@ -2146,7 +2146,7 @@
           <a:p>
             <a:fld id="{3940C947-DF96-4C8F-B648-B9795ED65CD9}" type="datetime1">
               <a:rPr lang="en-US" smtClean="0"/>
-              <a:t>2/26/2022</a:t>
+              <a:t>1/3/23</a:t>
             </a:fld>
             <a:endParaRPr lang="en-US"/>
           </a:p>
@@ -2522,7 +2522,7 @@
           <a:p>
             <a:fld id="{47B91DFB-9622-4FA4-921D-17BD1EABB3ED}" type="datetime1">
               <a:rPr lang="en-US" smtClean="0"/>
-              <a:t>2/26/2022</a:t>
+              <a:t>1/3/23</a:t>
             </a:fld>
             <a:endParaRPr lang="en-US"/>
           </a:p>
@@ -2639,7 +2639,7 @@
           <a:p>
             <a:fld id="{BCDCF20A-1D81-4765-A7BF-6289062AC7A3}" type="datetime1">
               <a:rPr lang="en-US" smtClean="0"/>
-              <a:t>2/26/2022</a:t>
+              <a:t>1/3/23</a:t>
             </a:fld>
             <a:endParaRPr lang="en-US"/>
           </a:p>
@@ -2810,7 +2810,7 @@
           <a:p>
             <a:fld id="{4B90368A-4981-4ABE-874D-CF96C485871E}" type="datetime1">
               <a:rPr lang="en-US" smtClean="0"/>
-              <a:t>2/26/2022</a:t>
+              <a:t>1/3/23</a:t>
             </a:fld>
             <a:endParaRPr lang="en-US"/>
           </a:p>
@@ -3162,7 +3162,7 @@
           <a:p>
             <a:fld id="{D4EBA8ED-CF5B-4F08-A4F3-4EF706866F2A}" type="datetime1">
               <a:rPr lang="en-US" smtClean="0"/>
-              <a:t>2/26/2022</a:t>
+              <a:t>1/3/23</a:t>
             </a:fld>
             <a:endParaRPr lang="en-US"/>
           </a:p>
@@ -3542,7 +3542,7 @@
           <a:p>
             <a:fld id="{FCE6421B-BCEE-4D8C-939B-7C7E6783DFBD}" type="datetime1">
               <a:rPr lang="en-US" smtClean="0"/>
-              <a:t>2/26/2022</a:t>
+              <a:t>1/3/23</a:t>
             </a:fld>
             <a:endParaRPr lang="en-US"/>
           </a:p>
@@ -3827,7 +3827,7 @@
           <a:p>
             <a:fld id="{4AA39791-2184-4B0A-93AF-BA62E49B5D59}" type="datetime1">
               <a:rPr lang="en-US" smtClean="0"/>
-              <a:t>2/26/2022</a:t>
+              <a:t>1/3/23</a:t>
             </a:fld>
             <a:endParaRPr lang="en-US"/>
           </a:p>
@@ -5351,6 +5351,51 @@
                 </a:solidFill>
               </a:rPr>
               <a:t>[1] https://stats.stackexchange.com/questions/69205/how-to-derive-the-ridge-regression-solution</a:t>
+            </a:r>
+          </a:p>
+        </p:txBody>
+      </p:sp>
+      <p:sp>
+        <p:nvSpPr>
+          <p:cNvPr id="6" name="TextBox 5">
+            <a:extLst>
+              <a:ext uri="{FF2B5EF4-FFF2-40B4-BE49-F238E27FC236}">
+                <a16:creationId xmlns:a16="http://schemas.microsoft.com/office/drawing/2014/main" id="{9EC9CA07-5DBE-391E-9474-76B41E860FA0}"/>
+              </a:ext>
+            </a:extLst>
+          </p:cNvPr>
+          <p:cNvSpPr txBox="1"/>
+          <p:nvPr/>
+        </p:nvSpPr>
+        <p:spPr>
+          <a:xfrm>
+            <a:off x="3065929" y="5163671"/>
+            <a:ext cx="845103" cy="646331"/>
+          </a:xfrm>
+          <a:prstGeom prst="rect">
+            <a:avLst/>
+          </a:prstGeom>
+          <a:noFill/>
+        </p:spPr>
+        <p:txBody>
+          <a:bodyPr wrap="none" rtlCol="0">
+            <a:spAutoFit/>
+          </a:bodyPr>
+          <a:lstStyle/>
+          <a:p>
+            <a:r>
+              <a:rPr lang="en-US" dirty="0"/>
+              <a:t>(N</a:t>
+            </a:r>
+            <a:r>
+              <a:rPr lang="en-VN" dirty="0"/>
+              <a:t> * N)</a:t>
+            </a:r>
+          </a:p>
+          <a:p>
+            <a:r>
+              <a:rPr lang="en-VN" dirty="0"/>
+              <a:t>M * 1</a:t>
             </a:r>
           </a:p>
         </p:txBody>
@@ -25238,8 +25283,24 @@
           <a:lstStyle/>
           <a:p>
             <a:r>
-              <a:rPr lang="en-US"/>
-              <a:t>3. Triển khai </a:t>
+              <a:rPr lang="en-US" dirty="0"/>
+              <a:t>3. </a:t>
+            </a:r>
+            <a:r>
+              <a:rPr lang="en-US" dirty="0" err="1"/>
+              <a:t>Triển</a:t>
+            </a:r>
+            <a:r>
+              <a:rPr lang="en-US" dirty="0"/>
+              <a:t> </a:t>
+            </a:r>
+            <a:r>
+              <a:rPr lang="en-US" dirty="0" err="1"/>
+              <a:t>khai</a:t>
+            </a:r>
+            <a:r>
+              <a:rPr lang="en-US" dirty="0"/>
+              <a:t> </a:t>
             </a:r>
           </a:p>
         </p:txBody>
@@ -25271,7 +25332,7 @@
               <a:buChar char="q"/>
             </a:pPr>
             <a:r>
-              <a:rPr lang="en-US">
+              <a:rPr lang="en-US" dirty="0">
                 <a:solidFill>
                   <a:schemeClr val="tx1">
                     <a:lumMod val="85000"/>
@@ -25279,22 +25340,137 @@
                   </a:schemeClr>
                 </a:solidFill>
               </a:rPr>
-              <a:t> Triển khai mô hình: Hàm </a:t>
-            </a:r>
-            <a:r>
-              <a:rPr lang="en-US">
+              <a:t> </a:t>
+            </a:r>
+            <a:r>
+              <a:rPr lang="en-US" dirty="0" err="1">
+                <a:solidFill>
+                  <a:schemeClr val="tx1">
+                    <a:lumMod val="85000"/>
+                    <a:lumOff val="15000"/>
+                  </a:schemeClr>
+                </a:solidFill>
+              </a:rPr>
+              <a:t>Triển</a:t>
+            </a:r>
+            <a:r>
+              <a:rPr lang="en-US" dirty="0">
+                <a:solidFill>
+                  <a:schemeClr val="tx1">
+                    <a:lumMod val="85000"/>
+                    <a:lumOff val="15000"/>
+                  </a:schemeClr>
+                </a:solidFill>
+              </a:rPr>
+              <a:t> </a:t>
+            </a:r>
+            <a:r>
+              <a:rPr lang="en-US" dirty="0" err="1">
+                <a:solidFill>
+                  <a:schemeClr val="tx1">
+                    <a:lumMod val="85000"/>
+                    <a:lumOff val="15000"/>
+                  </a:schemeClr>
+                </a:solidFill>
+              </a:rPr>
+              <a:t>khai</a:t>
+            </a:r>
+            <a:r>
+              <a:rPr lang="en-US" dirty="0">
+                <a:solidFill>
+                  <a:schemeClr val="tx1">
+                    <a:lumMod val="85000"/>
+                    <a:lumOff val="15000"/>
+                  </a:schemeClr>
+                </a:solidFill>
+              </a:rPr>
+              <a:t> </a:t>
+            </a:r>
+            <a:r>
+              <a:rPr lang="en-US" dirty="0" err="1">
+                <a:solidFill>
+                  <a:schemeClr val="tx1">
+                    <a:lumMod val="85000"/>
+                    <a:lumOff val="15000"/>
+                  </a:schemeClr>
+                </a:solidFill>
+              </a:rPr>
+              <a:t>mô</a:t>
+            </a:r>
+            <a:r>
+              <a:rPr lang="en-US" dirty="0">
+                <a:solidFill>
+                  <a:schemeClr val="tx1">
+                    <a:lumMod val="85000"/>
+                    <a:lumOff val="15000"/>
+                  </a:schemeClr>
+                </a:solidFill>
+              </a:rPr>
+              <a:t> </a:t>
+            </a:r>
+            <a:r>
+              <a:rPr lang="en-US" dirty="0" err="1">
+                <a:solidFill>
+                  <a:schemeClr val="tx1">
+                    <a:lumMod val="85000"/>
+                    <a:lumOff val="15000"/>
+                  </a:schemeClr>
+                </a:solidFill>
+              </a:rPr>
+              <a:t>hình</a:t>
+            </a:r>
+            <a:r>
+              <a:rPr lang="en-US" dirty="0">
+                <a:solidFill>
+                  <a:schemeClr val="tx1">
+                    <a:lumMod val="85000"/>
+                    <a:lumOff val="15000"/>
+                  </a:schemeClr>
+                </a:solidFill>
+              </a:rPr>
+              <a:t>: </a:t>
+            </a:r>
+            <a:r>
+              <a:rPr lang="en-US" dirty="0" err="1">
+                <a:solidFill>
+                  <a:schemeClr val="tx1">
+                    <a:lumMod val="85000"/>
+                    <a:lumOff val="15000"/>
+                  </a:schemeClr>
+                </a:solidFill>
+              </a:rPr>
+              <a:t>Hàm</a:t>
+            </a:r>
+            <a:r>
+              <a:rPr lang="en-US" dirty="0">
+                <a:solidFill>
+                  <a:schemeClr val="tx1">
+                    <a:lumMod val="85000"/>
+                    <a:lumOff val="15000"/>
+                  </a:schemeClr>
+                </a:solidFill>
+              </a:rPr>
+              <a:t> </a:t>
+            </a:r>
+            <a:r>
+              <a:rPr lang="en-US" dirty="0" err="1">
                 <a:solidFill>
                   <a:srgbClr val="FF0000"/>
                 </a:solidFill>
               </a:rPr>
               <a:t>cross_validation</a:t>
             </a:r>
+            <a:endParaRPr lang="en-US" dirty="0">
+              <a:solidFill>
+                <a:srgbClr val="FF0000"/>
+              </a:solidFill>
+            </a:endParaRPr>
           </a:p>
           <a:p>
             <a:pPr marL="0" indent="0">
               <a:buNone/>
             </a:pPr>
-            <a:endParaRPr lang="en-US">
+            <a:endParaRPr lang="en-US" dirty="0">
               <a:solidFill>
                 <a:schemeClr val="tx1">
                   <a:lumMod val="85000"/>
@@ -25307,7 +25483,7 @@
             <a:pPr marL="0" indent="0">
               <a:buNone/>
             </a:pPr>
-            <a:endParaRPr lang="en-US">
+            <a:endParaRPr lang="en-US" dirty="0">
               <a:solidFill>
                 <a:schemeClr val="tx1">
                   <a:lumMod val="85000"/>
@@ -25320,7 +25496,7 @@
             <a:pPr marL="0" indent="0">
               <a:buNone/>
             </a:pPr>
-            <a:endParaRPr lang="en-US">
+            <a:endParaRPr lang="en-US" dirty="0">
               <a:solidFill>
                 <a:schemeClr val="tx1">
                   <a:lumMod val="85000"/>
@@ -29991,7 +30167,7 @@
               <a:buChar char="q"/>
             </a:pPr>
             <a:r>
-              <a:rPr lang="en-US">
+              <a:rPr lang="en-US" dirty="0">
                 <a:solidFill>
                   <a:schemeClr val="tx1">
                     <a:lumMod val="85000"/>
@@ -29999,15 +30175,10 @@
                   </a:schemeClr>
                 </a:solidFill>
               </a:rPr>
-              <a:t> Tập dữ liệu thực hành: 20newsgroups</a:t>
-            </a:r>
-          </a:p>
-          <a:p>
-            <a:pPr marL="0" indent="0" algn="ctr">
-              <a:buNone/>
-            </a:pPr>
-            <a:r>
-              <a:rPr lang="en-US" sz="2000">
+              <a:t> </a:t>
+            </a:r>
+            <a:r>
+              <a:rPr lang="en-US" dirty="0" err="1">
                 <a:solidFill>
                   <a:schemeClr val="tx1">
                     <a:lumMod val="85000"/>
@@ -30015,7 +30186,166 @@
                   </a:schemeClr>
                 </a:solidFill>
               </a:rPr>
-              <a:t>http://qwone.com/~jason/20Newsgroups/</a:t>
+              <a:t>Tập</a:t>
+            </a:r>
+            <a:r>
+              <a:rPr lang="en-US" dirty="0">
+                <a:solidFill>
+                  <a:schemeClr val="tx1">
+                    <a:lumMod val="85000"/>
+                    <a:lumOff val="15000"/>
+                  </a:schemeClr>
+                </a:solidFill>
+              </a:rPr>
+              <a:t> </a:t>
+            </a:r>
+            <a:r>
+              <a:rPr lang="en-US" dirty="0" err="1">
+                <a:solidFill>
+                  <a:schemeClr val="tx1">
+                    <a:lumMod val="85000"/>
+                    <a:lumOff val="15000"/>
+                  </a:schemeClr>
+                </a:solidFill>
+              </a:rPr>
+              <a:t>dữ</a:t>
+            </a:r>
+            <a:r>
+              <a:rPr lang="en-US" dirty="0">
+                <a:solidFill>
+                  <a:schemeClr val="tx1">
+                    <a:lumMod val="85000"/>
+                    <a:lumOff val="15000"/>
+                  </a:schemeClr>
+                </a:solidFill>
+              </a:rPr>
+              <a:t> </a:t>
+            </a:r>
+            <a:r>
+              <a:rPr lang="en-US" dirty="0" err="1">
+                <a:solidFill>
+                  <a:schemeClr val="tx1">
+                    <a:lumMod val="85000"/>
+                    <a:lumOff val="15000"/>
+                  </a:schemeClr>
+                </a:solidFill>
+              </a:rPr>
+              <a:t>liệu</a:t>
+            </a:r>
+            <a:r>
+              <a:rPr lang="en-US" dirty="0">
+                <a:solidFill>
+                  <a:schemeClr val="tx1">
+                    <a:lumMod val="85000"/>
+                    <a:lumOff val="15000"/>
+                  </a:schemeClr>
+                </a:solidFill>
+              </a:rPr>
+              <a:t> </a:t>
+            </a:r>
+            <a:r>
+              <a:rPr lang="en-US" dirty="0" err="1">
+                <a:solidFill>
+                  <a:schemeClr val="tx1">
+                    <a:lumMod val="85000"/>
+                    <a:lumOff val="15000"/>
+                  </a:schemeClr>
+                </a:solidFill>
+              </a:rPr>
+              <a:t>thực</a:t>
+            </a:r>
+            <a:r>
+              <a:rPr lang="en-US" dirty="0">
+                <a:solidFill>
+                  <a:schemeClr val="tx1">
+                    <a:lumMod val="85000"/>
+                    <a:lumOff val="15000"/>
+                  </a:schemeClr>
+                </a:solidFill>
+              </a:rPr>
+              <a:t> </a:t>
+            </a:r>
+            <a:r>
+              <a:rPr lang="en-US" dirty="0" err="1">
+                <a:solidFill>
+                  <a:schemeClr val="tx1">
+                    <a:lumMod val="85000"/>
+                    <a:lumOff val="15000"/>
+                  </a:schemeClr>
+                </a:solidFill>
+              </a:rPr>
+              <a:t>hành</a:t>
+            </a:r>
+            <a:r>
+              <a:rPr lang="en-US" dirty="0">
+                <a:solidFill>
+                  <a:schemeClr val="tx1">
+                    <a:lumMod val="85000"/>
+                    <a:lumOff val="15000"/>
+                  </a:schemeClr>
+                </a:solidFill>
+              </a:rPr>
+              <a:t>: 20newsgroups</a:t>
+            </a:r>
+          </a:p>
+          <a:p>
+            <a:pPr marL="0" indent="0" algn="ctr">
+              <a:buNone/>
+            </a:pPr>
+            <a:r>
+              <a:rPr lang="en-US" sz="2000" dirty="0">
+                <a:solidFill>
+                  <a:schemeClr val="tx1">
+                    <a:lumMod val="85000"/>
+                    <a:lumOff val="15000"/>
+                  </a:schemeClr>
+                </a:solidFill>
+              </a:rPr>
+              <a:t>http://</a:t>
+            </a:r>
+            <a:r>
+              <a:rPr lang="en-US" sz="2000" dirty="0" err="1">
+                <a:solidFill>
+                  <a:schemeClr val="tx1">
+                    <a:lumMod val="85000"/>
+                    <a:lumOff val="15000"/>
+                  </a:schemeClr>
+                </a:solidFill>
+              </a:rPr>
+              <a:t>qwone.com</a:t>
+            </a:r>
+            <a:r>
+              <a:rPr lang="en-US" sz="2000" dirty="0">
+                <a:solidFill>
+                  <a:schemeClr val="tx1">
+                    <a:lumMod val="85000"/>
+                    <a:lumOff val="15000"/>
+                  </a:schemeClr>
+                </a:solidFill>
+              </a:rPr>
+              <a:t>/~</a:t>
+            </a:r>
+            <a:r>
+              <a:rPr lang="en-US" sz="2000" dirty="0" err="1">
+                <a:solidFill>
+                  <a:schemeClr val="tx1">
+                    <a:lumMod val="85000"/>
+                    <a:lumOff val="15000"/>
+                  </a:schemeClr>
+                </a:solidFill>
+              </a:rPr>
+              <a:t>jason</a:t>
+            </a:r>
+            <a:r>
+              <a:rPr lang="en-US" sz="2000" dirty="0">
+                <a:solidFill>
+                  <a:schemeClr val="tx1">
+                    <a:lumMod val="85000"/>
+                    <a:lumOff val="15000"/>
+                  </a:schemeClr>
+                </a:solidFill>
+              </a:rPr>
+              <a:t>/20Newsgroups/</a:t>
             </a:r>
           </a:p>
           <a:p>
@@ -30024,7 +30354,7 @@
               <a:buChar char="q"/>
             </a:pPr>
             <a:r>
-              <a:rPr lang="en-US">
+              <a:rPr lang="en-US" dirty="0">
                 <a:solidFill>
                   <a:schemeClr val="tx1">
                     <a:lumMod val="85000"/>
@@ -30032,16 +30362,38 @@
                   </a:schemeClr>
                 </a:solidFill>
               </a:rPr>
-              <a:t> Tải </a:t>
-            </a:r>
-            <a:r>
-              <a:rPr lang="en-US">
+              <a:t> </a:t>
+            </a:r>
+            <a:r>
+              <a:rPr lang="en-US" dirty="0" err="1">
+                <a:solidFill>
+                  <a:schemeClr val="tx1">
+                    <a:lumMod val="85000"/>
+                    <a:lumOff val="15000"/>
+                  </a:schemeClr>
+                </a:solidFill>
+              </a:rPr>
+              <a:t>Tải</a:t>
+            </a:r>
+            <a:r>
+              <a:rPr lang="en-US" dirty="0">
+                <a:solidFill>
+                  <a:schemeClr val="tx1">
+                    <a:lumMod val="85000"/>
+                    <a:lumOff val="15000"/>
+                  </a:schemeClr>
+                </a:solidFill>
+              </a:rPr>
+              <a:t> </a:t>
+            </a:r>
+            <a:r>
+              <a:rPr lang="en-US" dirty="0">
                 <a:hlinkClick r:id="rId2"/>
               </a:rPr>
               <a:t>20news-bydate.tar.gz</a:t>
             </a:r>
             <a:r>
-              <a:rPr lang="en-US"/>
+              <a:rPr lang="en-US" dirty="0"/>
               <a:t> </a:t>
             </a:r>
           </a:p>
@@ -30051,7 +30403,7 @@
               <a:buChar char="q"/>
             </a:pPr>
             <a:r>
-              <a:rPr lang="en-US">
+              <a:rPr lang="en-US" dirty="0">
                 <a:solidFill>
                   <a:schemeClr val="tx1">
                     <a:lumMod val="85000"/>
@@ -30059,7 +30411,227 @@
                   </a:schemeClr>
                 </a:solidFill>
               </a:rPr>
-              <a:t> Bao gồm xấp xỉ 20,000 bài báo, thuộc 20 nhóm tin tức khác nhau.</a:t>
+              <a:t> Bao </a:t>
+            </a:r>
+            <a:r>
+              <a:rPr lang="en-US" dirty="0" err="1">
+                <a:solidFill>
+                  <a:schemeClr val="tx1">
+                    <a:lumMod val="85000"/>
+                    <a:lumOff val="15000"/>
+                  </a:schemeClr>
+                </a:solidFill>
+              </a:rPr>
+              <a:t>gồm</a:t>
+            </a:r>
+            <a:r>
+              <a:rPr lang="en-US" dirty="0">
+                <a:solidFill>
+                  <a:schemeClr val="tx1">
+                    <a:lumMod val="85000"/>
+                    <a:lumOff val="15000"/>
+                  </a:schemeClr>
+                </a:solidFill>
+              </a:rPr>
+              <a:t> </a:t>
+            </a:r>
+            <a:r>
+              <a:rPr lang="en-US" dirty="0" err="1">
+                <a:solidFill>
+                  <a:schemeClr val="tx1">
+                    <a:lumMod val="85000"/>
+                    <a:lumOff val="15000"/>
+                  </a:schemeClr>
+                </a:solidFill>
+              </a:rPr>
+              <a:t>xấp</a:t>
+            </a:r>
+            <a:r>
+              <a:rPr lang="en-US" dirty="0">
+                <a:solidFill>
+                  <a:schemeClr val="tx1">
+                    <a:lumMod val="85000"/>
+                    <a:lumOff val="15000"/>
+                  </a:schemeClr>
+                </a:solidFill>
+              </a:rPr>
+              <a:t> </a:t>
+            </a:r>
+            <a:r>
+              <a:rPr lang="en-US" dirty="0" err="1">
+                <a:solidFill>
+                  <a:schemeClr val="tx1">
+                    <a:lumMod val="85000"/>
+                    <a:lumOff val="15000"/>
+                  </a:schemeClr>
+                </a:solidFill>
+              </a:rPr>
+              <a:t>xỉ</a:t>
+            </a:r>
+            <a:r>
+              <a:rPr lang="en-US" dirty="0">
+                <a:solidFill>
+                  <a:schemeClr val="tx1">
+                    <a:lumMod val="85000"/>
+                    <a:lumOff val="15000"/>
+                  </a:schemeClr>
+                </a:solidFill>
+              </a:rPr>
+              <a:t> 20,000 </a:t>
+            </a:r>
+            <a:r>
+              <a:rPr lang="en-US" dirty="0" err="1">
+                <a:solidFill>
+                  <a:schemeClr val="tx1">
+                    <a:lumMod val="85000"/>
+                    <a:lumOff val="15000"/>
+                  </a:schemeClr>
+                </a:solidFill>
+              </a:rPr>
+              <a:t>bài</a:t>
+            </a:r>
+            <a:r>
+              <a:rPr lang="en-US" dirty="0">
+                <a:solidFill>
+                  <a:schemeClr val="tx1">
+                    <a:lumMod val="85000"/>
+                    <a:lumOff val="15000"/>
+                  </a:schemeClr>
+                </a:solidFill>
+              </a:rPr>
+              <a:t> </a:t>
+            </a:r>
+            <a:r>
+              <a:rPr lang="en-US" dirty="0" err="1">
+                <a:solidFill>
+                  <a:schemeClr val="tx1">
+                    <a:lumMod val="85000"/>
+                    <a:lumOff val="15000"/>
+                  </a:schemeClr>
+                </a:solidFill>
+              </a:rPr>
+              <a:t>báo</a:t>
+            </a:r>
+            <a:r>
+              <a:rPr lang="en-US" dirty="0">
+                <a:solidFill>
+                  <a:schemeClr val="tx1">
+                    <a:lumMod val="85000"/>
+                    <a:lumOff val="15000"/>
+                  </a:schemeClr>
+                </a:solidFill>
+              </a:rPr>
+              <a:t>, </a:t>
+            </a:r>
+            <a:r>
+              <a:rPr lang="en-US" dirty="0" err="1">
+                <a:solidFill>
+                  <a:schemeClr val="tx1">
+                    <a:lumMod val="85000"/>
+                    <a:lumOff val="15000"/>
+                  </a:schemeClr>
+                </a:solidFill>
+              </a:rPr>
+              <a:t>thuộc</a:t>
+            </a:r>
+            <a:r>
+              <a:rPr lang="en-US" dirty="0">
+                <a:solidFill>
+                  <a:schemeClr val="tx1">
+                    <a:lumMod val="85000"/>
+                    <a:lumOff val="15000"/>
+                  </a:schemeClr>
+                </a:solidFill>
+              </a:rPr>
+              <a:t> 20 </a:t>
+            </a:r>
+            <a:r>
+              <a:rPr lang="en-US" dirty="0" err="1">
+                <a:solidFill>
+                  <a:schemeClr val="tx1">
+                    <a:lumMod val="85000"/>
+                    <a:lumOff val="15000"/>
+                  </a:schemeClr>
+                </a:solidFill>
+              </a:rPr>
+              <a:t>nhóm</a:t>
+            </a:r>
+            <a:r>
+              <a:rPr lang="en-US" dirty="0">
+                <a:solidFill>
+                  <a:schemeClr val="tx1">
+                    <a:lumMod val="85000"/>
+                    <a:lumOff val="15000"/>
+                  </a:schemeClr>
+                </a:solidFill>
+              </a:rPr>
+              <a:t> tin </a:t>
+            </a:r>
+            <a:r>
+              <a:rPr lang="en-US" dirty="0" err="1">
+                <a:solidFill>
+                  <a:schemeClr val="tx1">
+                    <a:lumMod val="85000"/>
+                    <a:lumOff val="15000"/>
+                  </a:schemeClr>
+                </a:solidFill>
+              </a:rPr>
+              <a:t>tức</a:t>
+            </a:r>
+            <a:r>
+              <a:rPr lang="en-US" dirty="0">
+                <a:solidFill>
+                  <a:schemeClr val="tx1">
+                    <a:lumMod val="85000"/>
+                    <a:lumOff val="15000"/>
+                  </a:schemeClr>
+                </a:solidFill>
+              </a:rPr>
+              <a:t> </a:t>
+            </a:r>
+            <a:r>
+              <a:rPr lang="en-US" dirty="0" err="1">
+                <a:solidFill>
+                  <a:schemeClr val="tx1">
+                    <a:lumMod val="85000"/>
+                    <a:lumOff val="15000"/>
+                  </a:schemeClr>
+                </a:solidFill>
+              </a:rPr>
+              <a:t>khác</a:t>
+            </a:r>
+            <a:r>
+              <a:rPr lang="en-US" dirty="0">
+                <a:solidFill>
+                  <a:schemeClr val="tx1">
+                    <a:lumMod val="85000"/>
+                    <a:lumOff val="15000"/>
+                  </a:schemeClr>
+                </a:solidFill>
+              </a:rPr>
+              <a:t> </a:t>
+            </a:r>
+            <a:r>
+              <a:rPr lang="en-US" dirty="0" err="1">
+                <a:solidFill>
+                  <a:schemeClr val="tx1">
+                    <a:lumMod val="85000"/>
+                    <a:lumOff val="15000"/>
+                  </a:schemeClr>
+                </a:solidFill>
+              </a:rPr>
+              <a:t>nhau</a:t>
+            </a:r>
+            <a:r>
+              <a:rPr lang="en-US" dirty="0">
+                <a:solidFill>
+                  <a:schemeClr val="tx1">
+                    <a:lumMod val="85000"/>
+                    <a:lumOff val="15000"/>
+                  </a:schemeClr>
+                </a:solidFill>
+              </a:rPr>
+              <a:t>.</a:t>
             </a:r>
           </a:p>
           <a:p>
@@ -30068,7 +30640,7 @@
               <a:buChar char="q"/>
             </a:pPr>
             <a:r>
-              <a:rPr lang="en-US">
+              <a:rPr lang="en-US" dirty="0">
                 <a:solidFill>
                   <a:schemeClr val="tx1">
                     <a:lumMod val="85000"/>
@@ -30076,15 +30648,10 @@
                   </a:schemeClr>
                 </a:solidFill>
               </a:rPr>
-              <a:t> Tập dữ liệu này sẽ được sử dụng để thực hành với K-Means, SVMs  </a:t>
-            </a:r>
-          </a:p>
-          <a:p>
-            <a:pPr marL="0" indent="0">
-              <a:buNone/>
-            </a:pPr>
-            <a:r>
-              <a:rPr lang="en-US">
+              <a:t> </a:t>
+            </a:r>
+            <a:r>
+              <a:rPr lang="en-US" dirty="0" err="1">
                 <a:solidFill>
                   <a:schemeClr val="tx1">
                     <a:lumMod val="85000"/>
@@ -30092,7 +30659,298 @@
                   </a:schemeClr>
                 </a:solidFill>
               </a:rPr>
-              <a:t>     và Neural Networks</a:t>
+              <a:t>Tập</a:t>
+            </a:r>
+            <a:r>
+              <a:rPr lang="en-US" dirty="0">
+                <a:solidFill>
+                  <a:schemeClr val="tx1">
+                    <a:lumMod val="85000"/>
+                    <a:lumOff val="15000"/>
+                  </a:schemeClr>
+                </a:solidFill>
+              </a:rPr>
+              <a:t> </a:t>
+            </a:r>
+            <a:r>
+              <a:rPr lang="en-US" dirty="0" err="1">
+                <a:solidFill>
+                  <a:schemeClr val="tx1">
+                    <a:lumMod val="85000"/>
+                    <a:lumOff val="15000"/>
+                  </a:schemeClr>
+                </a:solidFill>
+              </a:rPr>
+              <a:t>dữ</a:t>
+            </a:r>
+            <a:r>
+              <a:rPr lang="en-US" dirty="0">
+                <a:solidFill>
+                  <a:schemeClr val="tx1">
+                    <a:lumMod val="85000"/>
+                    <a:lumOff val="15000"/>
+                  </a:schemeClr>
+                </a:solidFill>
+              </a:rPr>
+              <a:t> </a:t>
+            </a:r>
+            <a:r>
+              <a:rPr lang="en-US" dirty="0" err="1">
+                <a:solidFill>
+                  <a:schemeClr val="tx1">
+                    <a:lumMod val="85000"/>
+                    <a:lumOff val="15000"/>
+                  </a:schemeClr>
+                </a:solidFill>
+              </a:rPr>
+              <a:t>liệu</a:t>
+            </a:r>
+            <a:r>
+              <a:rPr lang="en-US" dirty="0">
+                <a:solidFill>
+                  <a:schemeClr val="tx1">
+                    <a:lumMod val="85000"/>
+                    <a:lumOff val="15000"/>
+                  </a:schemeClr>
+                </a:solidFill>
+              </a:rPr>
+              <a:t> </a:t>
+            </a:r>
+            <a:r>
+              <a:rPr lang="en-US" dirty="0" err="1">
+                <a:solidFill>
+                  <a:schemeClr val="tx1">
+                    <a:lumMod val="85000"/>
+                    <a:lumOff val="15000"/>
+                  </a:schemeClr>
+                </a:solidFill>
+              </a:rPr>
+              <a:t>này</a:t>
+            </a:r>
+            <a:r>
+              <a:rPr lang="en-US" dirty="0">
+                <a:solidFill>
+                  <a:schemeClr val="tx1">
+                    <a:lumMod val="85000"/>
+                    <a:lumOff val="15000"/>
+                  </a:schemeClr>
+                </a:solidFill>
+              </a:rPr>
+              <a:t> </a:t>
+            </a:r>
+            <a:r>
+              <a:rPr lang="en-US" dirty="0" err="1">
+                <a:solidFill>
+                  <a:schemeClr val="tx1">
+                    <a:lumMod val="85000"/>
+                    <a:lumOff val="15000"/>
+                  </a:schemeClr>
+                </a:solidFill>
+              </a:rPr>
+              <a:t>sẽ</a:t>
+            </a:r>
+            <a:r>
+              <a:rPr lang="en-US" dirty="0">
+                <a:solidFill>
+                  <a:schemeClr val="tx1">
+                    <a:lumMod val="85000"/>
+                    <a:lumOff val="15000"/>
+                  </a:schemeClr>
+                </a:solidFill>
+              </a:rPr>
+              <a:t> </a:t>
+            </a:r>
+            <a:r>
+              <a:rPr lang="en-US" dirty="0" err="1">
+                <a:solidFill>
+                  <a:schemeClr val="tx1">
+                    <a:lumMod val="85000"/>
+                    <a:lumOff val="15000"/>
+                  </a:schemeClr>
+                </a:solidFill>
+              </a:rPr>
+              <a:t>được</a:t>
+            </a:r>
+            <a:r>
+              <a:rPr lang="en-US" dirty="0">
+                <a:solidFill>
+                  <a:schemeClr val="tx1">
+                    <a:lumMod val="85000"/>
+                    <a:lumOff val="15000"/>
+                  </a:schemeClr>
+                </a:solidFill>
+              </a:rPr>
+              <a:t> </a:t>
+            </a:r>
+            <a:r>
+              <a:rPr lang="en-US" dirty="0" err="1">
+                <a:solidFill>
+                  <a:schemeClr val="tx1">
+                    <a:lumMod val="85000"/>
+                    <a:lumOff val="15000"/>
+                  </a:schemeClr>
+                </a:solidFill>
+              </a:rPr>
+              <a:t>sử</a:t>
+            </a:r>
+            <a:r>
+              <a:rPr lang="en-US" dirty="0">
+                <a:solidFill>
+                  <a:schemeClr val="tx1">
+                    <a:lumMod val="85000"/>
+                    <a:lumOff val="15000"/>
+                  </a:schemeClr>
+                </a:solidFill>
+              </a:rPr>
+              <a:t> </a:t>
+            </a:r>
+            <a:r>
+              <a:rPr lang="en-US" dirty="0" err="1">
+                <a:solidFill>
+                  <a:schemeClr val="tx1">
+                    <a:lumMod val="85000"/>
+                    <a:lumOff val="15000"/>
+                  </a:schemeClr>
+                </a:solidFill>
+              </a:rPr>
+              <a:t>dụng</a:t>
+            </a:r>
+            <a:r>
+              <a:rPr lang="en-US" dirty="0">
+                <a:solidFill>
+                  <a:schemeClr val="tx1">
+                    <a:lumMod val="85000"/>
+                    <a:lumOff val="15000"/>
+                  </a:schemeClr>
+                </a:solidFill>
+              </a:rPr>
+              <a:t> </a:t>
+            </a:r>
+            <a:r>
+              <a:rPr lang="en-US" dirty="0" err="1">
+                <a:solidFill>
+                  <a:schemeClr val="tx1">
+                    <a:lumMod val="85000"/>
+                    <a:lumOff val="15000"/>
+                  </a:schemeClr>
+                </a:solidFill>
+              </a:rPr>
+              <a:t>để</a:t>
+            </a:r>
+            <a:r>
+              <a:rPr lang="en-US" dirty="0">
+                <a:solidFill>
+                  <a:schemeClr val="tx1">
+                    <a:lumMod val="85000"/>
+                    <a:lumOff val="15000"/>
+                  </a:schemeClr>
+                </a:solidFill>
+              </a:rPr>
+              <a:t> </a:t>
+            </a:r>
+            <a:r>
+              <a:rPr lang="en-US" dirty="0" err="1">
+                <a:solidFill>
+                  <a:schemeClr val="tx1">
+                    <a:lumMod val="85000"/>
+                    <a:lumOff val="15000"/>
+                  </a:schemeClr>
+                </a:solidFill>
+              </a:rPr>
+              <a:t>thực</a:t>
+            </a:r>
+            <a:r>
+              <a:rPr lang="en-US" dirty="0">
+                <a:solidFill>
+                  <a:schemeClr val="tx1">
+                    <a:lumMod val="85000"/>
+                    <a:lumOff val="15000"/>
+                  </a:schemeClr>
+                </a:solidFill>
+              </a:rPr>
+              <a:t> </a:t>
+            </a:r>
+            <a:r>
+              <a:rPr lang="en-US" dirty="0" err="1">
+                <a:solidFill>
+                  <a:schemeClr val="tx1">
+                    <a:lumMod val="85000"/>
+                    <a:lumOff val="15000"/>
+                  </a:schemeClr>
+                </a:solidFill>
+              </a:rPr>
+              <a:t>hành</a:t>
+            </a:r>
+            <a:r>
+              <a:rPr lang="en-US" dirty="0">
+                <a:solidFill>
+                  <a:schemeClr val="tx1">
+                    <a:lumMod val="85000"/>
+                    <a:lumOff val="15000"/>
+                  </a:schemeClr>
+                </a:solidFill>
+              </a:rPr>
+              <a:t> </a:t>
+            </a:r>
+            <a:r>
+              <a:rPr lang="en-US" dirty="0" err="1">
+                <a:solidFill>
+                  <a:schemeClr val="tx1">
+                    <a:lumMod val="85000"/>
+                    <a:lumOff val="15000"/>
+                  </a:schemeClr>
+                </a:solidFill>
+              </a:rPr>
+              <a:t>với</a:t>
+            </a:r>
+            <a:r>
+              <a:rPr lang="en-US" dirty="0">
+                <a:solidFill>
+                  <a:schemeClr val="tx1">
+                    <a:lumMod val="85000"/>
+                    <a:lumOff val="15000"/>
+                  </a:schemeClr>
+                </a:solidFill>
+              </a:rPr>
+              <a:t> K-Means, SVMs  </a:t>
+            </a:r>
+          </a:p>
+          <a:p>
+            <a:pPr marL="0" indent="0">
+              <a:buNone/>
+            </a:pPr>
+            <a:r>
+              <a:rPr lang="en-US" dirty="0">
+                <a:solidFill>
+                  <a:schemeClr val="tx1">
+                    <a:lumMod val="85000"/>
+                    <a:lumOff val="15000"/>
+                  </a:schemeClr>
+                </a:solidFill>
+              </a:rPr>
+              <a:t>     </a:t>
+            </a:r>
+            <a:r>
+              <a:rPr lang="en-US" dirty="0" err="1">
+                <a:solidFill>
+                  <a:schemeClr val="tx1">
+                    <a:lumMod val="85000"/>
+                    <a:lumOff val="15000"/>
+                  </a:schemeClr>
+                </a:solidFill>
+              </a:rPr>
+              <a:t>và</a:t>
+            </a:r>
+            <a:r>
+              <a:rPr lang="en-US" dirty="0">
+                <a:solidFill>
+                  <a:schemeClr val="tx1">
+                    <a:lumMod val="85000"/>
+                    <a:lumOff val="15000"/>
+                  </a:schemeClr>
+                </a:solidFill>
+              </a:rPr>
+              <a:t> Neural Networks</a:t>
             </a:r>
           </a:p>
           <a:p>
@@ -30101,7 +30959,7 @@
               <a:buChar char="q"/>
             </a:pPr>
             <a:r>
-              <a:rPr lang="en-US">
+              <a:rPr lang="en-US" dirty="0">
                 <a:solidFill>
                   <a:schemeClr val="tx1">
                     <a:lumMod val="85000"/>
@@ -30109,7 +30967,403 @@
                   </a:schemeClr>
                 </a:solidFill>
               </a:rPr>
-              <a:t> Tiền xử lý: tính biểu diễn tf-idf cho tất cả các văn bản có trong tập dữ liệu.</a:t>
+              <a:t> </a:t>
+            </a:r>
+            <a:r>
+              <a:rPr lang="en-US" dirty="0" err="1">
+                <a:solidFill>
+                  <a:schemeClr val="tx1">
+                    <a:lumMod val="85000"/>
+                    <a:lumOff val="15000"/>
+                  </a:schemeClr>
+                </a:solidFill>
+              </a:rPr>
+              <a:t>Tiền</a:t>
+            </a:r>
+            <a:r>
+              <a:rPr lang="en-US" dirty="0">
+                <a:solidFill>
+                  <a:schemeClr val="tx1">
+                    <a:lumMod val="85000"/>
+                    <a:lumOff val="15000"/>
+                  </a:schemeClr>
+                </a:solidFill>
+              </a:rPr>
+              <a:t> </a:t>
+            </a:r>
+            <a:r>
+              <a:rPr lang="en-US" dirty="0" err="1">
+                <a:solidFill>
+                  <a:schemeClr val="tx1">
+                    <a:lumMod val="85000"/>
+                    <a:lumOff val="15000"/>
+                  </a:schemeClr>
+                </a:solidFill>
+              </a:rPr>
+              <a:t>xử</a:t>
+            </a:r>
+            <a:r>
+              <a:rPr lang="en-US" dirty="0">
+                <a:solidFill>
+                  <a:schemeClr val="tx1">
+                    <a:lumMod val="85000"/>
+                    <a:lumOff val="15000"/>
+                  </a:schemeClr>
+                </a:solidFill>
+              </a:rPr>
+              <a:t> </a:t>
+            </a:r>
+            <a:r>
+              <a:rPr lang="en-US" dirty="0" err="1">
+                <a:solidFill>
+                  <a:schemeClr val="tx1">
+                    <a:lumMod val="85000"/>
+                    <a:lumOff val="15000"/>
+                  </a:schemeClr>
+                </a:solidFill>
+              </a:rPr>
+              <a:t>lý</a:t>
+            </a:r>
+            <a:r>
+              <a:rPr lang="en-US" dirty="0">
+                <a:solidFill>
+                  <a:schemeClr val="tx1">
+                    <a:lumMod val="85000"/>
+                    <a:lumOff val="15000"/>
+                  </a:schemeClr>
+                </a:solidFill>
+              </a:rPr>
+              <a:t>: </a:t>
+            </a:r>
+            <a:r>
+              <a:rPr lang="en-US" dirty="0" err="1">
+                <a:solidFill>
+                  <a:schemeClr val="tx1">
+                    <a:lumMod val="85000"/>
+                    <a:lumOff val="15000"/>
+                  </a:schemeClr>
+                </a:solidFill>
+              </a:rPr>
+              <a:t>tính</a:t>
+            </a:r>
+            <a:r>
+              <a:rPr lang="en-US" dirty="0">
+                <a:solidFill>
+                  <a:schemeClr val="tx1">
+                    <a:lumMod val="85000"/>
+                    <a:lumOff val="15000"/>
+                  </a:schemeClr>
+                </a:solidFill>
+              </a:rPr>
+              <a:t> </a:t>
+            </a:r>
+            <a:r>
+              <a:rPr lang="en-US" dirty="0" err="1">
+                <a:solidFill>
+                  <a:schemeClr val="tx1">
+                    <a:lumMod val="85000"/>
+                    <a:lumOff val="15000"/>
+                  </a:schemeClr>
+                </a:solidFill>
+              </a:rPr>
+              <a:t>biểu</a:t>
+            </a:r>
+            <a:r>
+              <a:rPr lang="en-US" dirty="0">
+                <a:solidFill>
+                  <a:schemeClr val="tx1">
+                    <a:lumMod val="85000"/>
+                    <a:lumOff val="15000"/>
+                  </a:schemeClr>
+                </a:solidFill>
+              </a:rPr>
+              <a:t> </a:t>
+            </a:r>
+            <a:r>
+              <a:rPr lang="en-US" dirty="0" err="1">
+                <a:solidFill>
+                  <a:schemeClr val="tx1">
+                    <a:lumMod val="85000"/>
+                    <a:lumOff val="15000"/>
+                  </a:schemeClr>
+                </a:solidFill>
+              </a:rPr>
+              <a:t>diễn</a:t>
+            </a:r>
+            <a:r>
+              <a:rPr lang="en-US" dirty="0">
+                <a:solidFill>
+                  <a:schemeClr val="tx1">
+                    <a:lumMod val="85000"/>
+                    <a:lumOff val="15000"/>
+                  </a:schemeClr>
+                </a:solidFill>
+              </a:rPr>
+              <a:t> </a:t>
+            </a:r>
+            <a:r>
+              <a:rPr lang="en-US" dirty="0" err="1">
+                <a:solidFill>
+                  <a:schemeClr val="tx1">
+                    <a:lumMod val="85000"/>
+                    <a:lumOff val="15000"/>
+                  </a:schemeClr>
+                </a:solidFill>
+              </a:rPr>
+              <a:t>tf-idf</a:t>
+            </a:r>
+            <a:r>
+              <a:rPr lang="en-US" dirty="0">
+                <a:solidFill>
+                  <a:schemeClr val="tx1">
+                    <a:lumMod val="85000"/>
+                    <a:lumOff val="15000"/>
+                  </a:schemeClr>
+                </a:solidFill>
+              </a:rPr>
+              <a:t> </a:t>
+            </a:r>
+            <a:r>
+              <a:rPr lang="en-US" dirty="0" err="1">
+                <a:solidFill>
+                  <a:schemeClr val="tx1">
+                    <a:lumMod val="85000"/>
+                    <a:lumOff val="15000"/>
+                  </a:schemeClr>
+                </a:solidFill>
+              </a:rPr>
+              <a:t>cho</a:t>
+            </a:r>
+            <a:r>
+              <a:rPr lang="en-US" dirty="0">
+                <a:solidFill>
+                  <a:schemeClr val="tx1">
+                    <a:lumMod val="85000"/>
+                    <a:lumOff val="15000"/>
+                  </a:schemeClr>
+                </a:solidFill>
+              </a:rPr>
+              <a:t> </a:t>
+            </a:r>
+            <a:r>
+              <a:rPr lang="en-US" dirty="0" err="1">
+                <a:solidFill>
+                  <a:schemeClr val="tx1">
+                    <a:lumMod val="85000"/>
+                    <a:lumOff val="15000"/>
+                  </a:schemeClr>
+                </a:solidFill>
+              </a:rPr>
+              <a:t>tất</a:t>
+            </a:r>
+            <a:r>
+              <a:rPr lang="en-US" dirty="0">
+                <a:solidFill>
+                  <a:schemeClr val="tx1">
+                    <a:lumMod val="85000"/>
+                    <a:lumOff val="15000"/>
+                  </a:schemeClr>
+                </a:solidFill>
+              </a:rPr>
+              <a:t> </a:t>
+            </a:r>
+            <a:r>
+              <a:rPr lang="en-US" dirty="0" err="1">
+                <a:solidFill>
+                  <a:schemeClr val="tx1">
+                    <a:lumMod val="85000"/>
+                    <a:lumOff val="15000"/>
+                  </a:schemeClr>
+                </a:solidFill>
+              </a:rPr>
+              <a:t>cả</a:t>
+            </a:r>
+            <a:r>
+              <a:rPr lang="en-US" dirty="0">
+                <a:solidFill>
+                  <a:schemeClr val="tx1">
+                    <a:lumMod val="85000"/>
+                    <a:lumOff val="15000"/>
+                  </a:schemeClr>
+                </a:solidFill>
+              </a:rPr>
+              <a:t> </a:t>
+            </a:r>
+            <a:r>
+              <a:rPr lang="en-US" dirty="0" err="1">
+                <a:solidFill>
+                  <a:schemeClr val="tx1">
+                    <a:lumMod val="85000"/>
+                    <a:lumOff val="15000"/>
+                  </a:schemeClr>
+                </a:solidFill>
+              </a:rPr>
+              <a:t>các</a:t>
+            </a:r>
+            <a:r>
+              <a:rPr lang="en-US" dirty="0">
+                <a:solidFill>
+                  <a:schemeClr val="tx1">
+                    <a:lumMod val="85000"/>
+                    <a:lumOff val="15000"/>
+                  </a:schemeClr>
+                </a:solidFill>
+              </a:rPr>
+              <a:t> </a:t>
+            </a:r>
+            <a:r>
+              <a:rPr lang="en-US" dirty="0" err="1">
+                <a:solidFill>
+                  <a:schemeClr val="tx1">
+                    <a:lumMod val="85000"/>
+                    <a:lumOff val="15000"/>
+                  </a:schemeClr>
+                </a:solidFill>
+              </a:rPr>
+              <a:t>văn</a:t>
+            </a:r>
+            <a:r>
+              <a:rPr lang="en-US" dirty="0">
+                <a:solidFill>
+                  <a:schemeClr val="tx1">
+                    <a:lumMod val="85000"/>
+                    <a:lumOff val="15000"/>
+                  </a:schemeClr>
+                </a:solidFill>
+              </a:rPr>
+              <a:t> </a:t>
+            </a:r>
+            <a:r>
+              <a:rPr lang="en-US" dirty="0" err="1">
+                <a:solidFill>
+                  <a:schemeClr val="tx1">
+                    <a:lumMod val="85000"/>
+                    <a:lumOff val="15000"/>
+                  </a:schemeClr>
+                </a:solidFill>
+              </a:rPr>
+              <a:t>bản</a:t>
+            </a:r>
+            <a:r>
+              <a:rPr lang="en-US" dirty="0">
+                <a:solidFill>
+                  <a:schemeClr val="tx1">
+                    <a:lumMod val="85000"/>
+                    <a:lumOff val="15000"/>
+                  </a:schemeClr>
+                </a:solidFill>
+              </a:rPr>
+              <a:t> </a:t>
+            </a:r>
+            <a:r>
+              <a:rPr lang="en-US" dirty="0" err="1">
+                <a:solidFill>
+                  <a:schemeClr val="tx1">
+                    <a:lumMod val="85000"/>
+                    <a:lumOff val="15000"/>
+                  </a:schemeClr>
+                </a:solidFill>
+              </a:rPr>
+              <a:t>có</a:t>
+            </a:r>
+            <a:r>
+              <a:rPr lang="en-US" dirty="0">
+                <a:solidFill>
+                  <a:schemeClr val="tx1">
+                    <a:lumMod val="85000"/>
+                    <a:lumOff val="15000"/>
+                  </a:schemeClr>
+                </a:solidFill>
+              </a:rPr>
+              <a:t> </a:t>
+            </a:r>
+            <a:r>
+              <a:rPr lang="en-US" dirty="0" err="1">
+                <a:solidFill>
+                  <a:schemeClr val="tx1">
+                    <a:lumMod val="85000"/>
+                    <a:lumOff val="15000"/>
+                  </a:schemeClr>
+                </a:solidFill>
+              </a:rPr>
+              <a:t>trong</a:t>
+            </a:r>
+            <a:r>
+              <a:rPr lang="en-US" dirty="0">
+                <a:solidFill>
+                  <a:schemeClr val="tx1">
+                    <a:lumMod val="85000"/>
+                    <a:lumOff val="15000"/>
+                  </a:schemeClr>
+                </a:solidFill>
+              </a:rPr>
+              <a:t> </a:t>
+            </a:r>
+            <a:r>
+              <a:rPr lang="en-US" dirty="0" err="1">
+                <a:solidFill>
+                  <a:schemeClr val="tx1">
+                    <a:lumMod val="85000"/>
+                    <a:lumOff val="15000"/>
+                  </a:schemeClr>
+                </a:solidFill>
+              </a:rPr>
+              <a:t>tập</a:t>
+            </a:r>
+            <a:r>
+              <a:rPr lang="en-US" dirty="0">
+                <a:solidFill>
+                  <a:schemeClr val="tx1">
+                    <a:lumMod val="85000"/>
+                    <a:lumOff val="15000"/>
+                  </a:schemeClr>
+                </a:solidFill>
+              </a:rPr>
+              <a:t> </a:t>
+            </a:r>
+            <a:r>
+              <a:rPr lang="en-US" dirty="0" err="1">
+                <a:solidFill>
+                  <a:schemeClr val="tx1">
+                    <a:lumMod val="85000"/>
+                    <a:lumOff val="15000"/>
+                  </a:schemeClr>
+                </a:solidFill>
+              </a:rPr>
+              <a:t>dữ</a:t>
+            </a:r>
+            <a:r>
+              <a:rPr lang="en-US" dirty="0">
+                <a:solidFill>
+                  <a:schemeClr val="tx1">
+                    <a:lumMod val="85000"/>
+                    <a:lumOff val="15000"/>
+                  </a:schemeClr>
+                </a:solidFill>
+              </a:rPr>
+              <a:t> </a:t>
+            </a:r>
+            <a:r>
+              <a:rPr lang="en-US" dirty="0" err="1">
+                <a:solidFill>
+                  <a:schemeClr val="tx1">
+                    <a:lumMod val="85000"/>
+                    <a:lumOff val="15000"/>
+                  </a:schemeClr>
+                </a:solidFill>
+              </a:rPr>
+              <a:t>liệu</a:t>
+            </a:r>
+            <a:r>
+              <a:rPr lang="en-US" dirty="0">
+                <a:solidFill>
+                  <a:schemeClr val="tx1">
+                    <a:lumMod val="85000"/>
+                    <a:lumOff val="15000"/>
+                  </a:schemeClr>
+                </a:solidFill>
+              </a:rPr>
+              <a:t>.</a:t>
             </a:r>
           </a:p>
         </p:txBody>
@@ -38692,21 +39946,6 @@
 </file>
 
 <file path=customXml/item1.xml><?xml version="1.0" encoding="utf-8"?>
-<?mso-contentType ?>
-<FormTemplates xmlns="http://schemas.microsoft.com/sharepoint/v3/contenttype/forms">
-  <Display>DocumentLibraryForm</Display>
-  <Edit>DocumentLibraryForm</Edit>
-  <New>DocumentLibraryForm</New>
-</FormTemplates>
-</file>
-
-<file path=customXml/item2.xml><?xml version="1.0" encoding="utf-8"?>
-<p:properties xmlns:p="http://schemas.microsoft.com/office/2006/metadata/properties" xmlns:xsi="http://www.w3.org/2001/XMLSchema-instance" xmlns:pc="http://schemas.microsoft.com/office/infopath/2007/PartnerControls">
-  <documentManagement/>
-</p:properties>
-</file>
-
-<file path=customXml/item3.xml><?xml version="1.0" encoding="utf-8"?>
 <ct:contentTypeSchema xmlns:ct="http://schemas.microsoft.com/office/2006/metadata/contentType" xmlns:ma="http://schemas.microsoft.com/office/2006/metadata/properties/metaAttributes" ct:_="" ma:_="" ma:contentTypeName="Document" ma:contentTypeID="0x01010068F118E21B99204C91D146C561430925" ma:contentTypeVersion="4" ma:contentTypeDescription="Create a new document." ma:contentTypeScope="" ma:versionID="55b6a0e5318d4e37682ee6a89c351aad">
   <xsd:schema xmlns:xsd="http://www.w3.org/2001/XMLSchema" xmlns:xs="http://www.w3.org/2001/XMLSchema" xmlns:p="http://schemas.microsoft.com/office/2006/metadata/properties" xmlns:ns2="9e24faa2-8f4a-48de-ad6a-0e527f10a801" targetNamespace="http://schemas.microsoft.com/office/2006/metadata/properties" ma:root="true" ma:fieldsID="a8a6bde89e908da18980281cf9736dca" ns2:_="">
     <xsd:import namespace="9e24faa2-8f4a-48de-ad6a-0e527f10a801"/>
@@ -38850,7 +40089,40 @@
 </ct:contentTypeSchema>
 </file>
 
+<file path=customXml/item2.xml><?xml version="1.0" encoding="utf-8"?>
+<?mso-contentType ?>
+<FormTemplates xmlns="http://schemas.microsoft.com/sharepoint/v3/contenttype/forms">
+  <Display>DocumentLibraryForm</Display>
+  <Edit>DocumentLibraryForm</Edit>
+  <New>DocumentLibraryForm</New>
+</FormTemplates>
+</file>
+
+<file path=customXml/item3.xml><?xml version="1.0" encoding="utf-8"?>
+<p:properties xmlns:p="http://schemas.microsoft.com/office/2006/metadata/properties" xmlns:xsi="http://www.w3.org/2001/XMLSchema-instance" xmlns:pc="http://schemas.microsoft.com/office/infopath/2007/PartnerControls">
+  <documentManagement/>
+</p:properties>
+</file>
+
 <file path=customXml/itemProps1.xml><?xml version="1.0" encoding="utf-8"?>
+<ds:datastoreItem xmlns:ds="http://schemas.openxmlformats.org/officeDocument/2006/customXml" ds:itemID="{2DC80E6D-9AE4-43A1-ACD2-496DF6CCA9BD}">
+  <ds:schemaRefs>
+    <ds:schemaRef ds:uri="http://schemas.microsoft.com/office/2006/metadata/contentType"/>
+    <ds:schemaRef ds:uri="http://schemas.microsoft.com/office/2006/metadata/properties/metaAttributes"/>
+    <ds:schemaRef ds:uri="http://www.w3.org/2001/XMLSchema"/>
+    <ds:schemaRef ds:uri="http://schemas.microsoft.com/office/2006/metadata/properties"/>
+    <ds:schemaRef ds:uri="9e24faa2-8f4a-48de-ad6a-0e527f10a801"/>
+    <ds:schemaRef ds:uri="http://schemas.microsoft.com/office/2006/documentManagement/types"/>
+    <ds:schemaRef ds:uri="http://schemas.microsoft.com/office/infopath/2007/PartnerControls"/>
+    <ds:schemaRef ds:uri="http://schemas.openxmlformats.org/package/2006/metadata/core-properties"/>
+    <ds:schemaRef ds:uri="http://purl.org/dc/elements/1.1/"/>
+    <ds:schemaRef ds:uri="http://purl.org/dc/terms/"/>
+    <ds:schemaRef ds:uri="http://schemas.microsoft.com/internal/obd"/>
+  </ds:schemaRefs>
+</ds:datastoreItem>
+</file>
+
+<file path=customXml/itemProps2.xml><?xml version="1.0" encoding="utf-8"?>
 <ds:datastoreItem xmlns:ds="http://schemas.openxmlformats.org/officeDocument/2006/customXml" ds:itemID="{5E12A1CB-CEB9-4FAF-83B9-1EEF83440A69}">
   <ds:schemaRefs>
     <ds:schemaRef ds:uri="http://schemas.microsoft.com/sharepoint/v3/contenttype/forms"/>
@@ -38858,15 +40130,11 @@
 </ds:datastoreItem>
 </file>
 
-<file path=customXml/itemProps2.xml><?xml version="1.0" encoding="utf-8"?>
+<file path=customXml/itemProps3.xml><?xml version="1.0" encoding="utf-8"?>
 <ds:datastoreItem xmlns:ds="http://schemas.openxmlformats.org/officeDocument/2006/customXml" ds:itemID="{D2E255F5-F4DA-444C-9FAB-544398A99068}">
   <ds:schemaRefs>
     <ds:schemaRef ds:uri="http://schemas.microsoft.com/office/2006/metadata/properties"/>
     <ds:schemaRef ds:uri="http://schemas.microsoft.com/office/infopath/2007/PartnerControls"/>
   </ds:schemaRefs>
 </ds:datastoreItem>
-</file>
-
-<file path=customXml/itemProps3.xml><?xml version="1.0" encoding="utf-8"?>
-<ds:datastoreItem xmlns:ds="http://schemas.openxmlformats.org/officeDocument/2006/customXml" ds:itemID="{2DC80E6D-9AE4-43A1-ACD2-496DF6CCA9BD}"/>
 </file>
--- a/Session_01/Session-01.pptx
+++ b/Session_01/Session-01.pptx
@@ -85,8 +85,8 @@
     <p:sldId id="337" r:id="rId79"/>
     <p:sldId id="338" r:id="rId80"/>
     <p:sldId id="339" r:id="rId81"/>
-    <p:sldId id="341" r:id="rId82"/>
-    <p:sldId id="340" r:id="rId83"/>
+    <p:sldId id="340" r:id="rId82"/>
+    <p:sldId id="341" r:id="rId83"/>
     <p:sldId id="342" r:id="rId84"/>
     <p:sldId id="343" r:id="rId85"/>
     <p:sldId id="351" r:id="rId86"/>
@@ -404,7 +404,7 @@
           <a:p>
             <a:fld id="{BE292657-F949-4EB0-8214-8326A5CBD4FD}" type="datetimeFigureOut">
               <a:rPr lang="en-US" smtClean="0"/>
-              <a:t>1/3/23</a:t>
+              <a:t>1/10/23</a:t>
             </a:fld>
             <a:endParaRPr lang="en-US"/>
           </a:p>
@@ -895,7 +895,7 @@
           <a:p>
             <a:fld id="{0ACB4B7C-78FE-41F8-9ED2-ADBDDA9DE3CA}" type="datetime1">
               <a:rPr lang="en-US" smtClean="0"/>
-              <a:t>1/3/23</a:t>
+              <a:t>1/10/23</a:t>
             </a:fld>
             <a:endParaRPr lang="en-US"/>
           </a:p>
@@ -1106,7 +1106,7 @@
           <a:p>
             <a:fld id="{AA141C26-9B01-4994-8F61-A641C35A28A0}" type="datetime1">
               <a:rPr lang="en-US" smtClean="0"/>
-              <a:t>1/3/23</a:t>
+              <a:t>1/10/23</a:t>
             </a:fld>
             <a:endParaRPr lang="en-US"/>
           </a:p>
@@ -1360,7 +1360,7 @@
           <a:p>
             <a:fld id="{08451999-8452-4809-B305-4591E7E75DE6}" type="datetime1">
               <a:rPr lang="en-US" smtClean="0"/>
-              <a:t>1/3/23</a:t>
+              <a:t>1/10/23</a:t>
             </a:fld>
             <a:endParaRPr lang="en-US"/>
           </a:p>
@@ -1532,7 +1532,7 @@
           <a:p>
             <a:fld id="{BCDB7CE7-A0F4-4634-BD93-8831D0F1C4FF}" type="datetime1">
               <a:rPr lang="en-US" smtClean="0"/>
-              <a:t>1/3/23</a:t>
+              <a:t>1/10/23</a:t>
             </a:fld>
             <a:endParaRPr lang="en-US"/>
           </a:p>
@@ -1874,7 +1874,7 @@
           <a:p>
             <a:fld id="{F01D85E9-0FA5-458D-B085-5514D578EFAD}" type="datetime1">
               <a:rPr lang="en-US" smtClean="0"/>
-              <a:t>1/3/23</a:t>
+              <a:t>1/10/23</a:t>
             </a:fld>
             <a:endParaRPr lang="en-US"/>
           </a:p>
@@ -2146,7 +2146,7 @@
           <a:p>
             <a:fld id="{3940C947-DF96-4C8F-B648-B9795ED65CD9}" type="datetime1">
               <a:rPr lang="en-US" smtClean="0"/>
-              <a:t>1/3/23</a:t>
+              <a:t>1/10/23</a:t>
             </a:fld>
             <a:endParaRPr lang="en-US"/>
           </a:p>
@@ -2522,7 +2522,7 @@
           <a:p>
             <a:fld id="{47B91DFB-9622-4FA4-921D-17BD1EABB3ED}" type="datetime1">
               <a:rPr lang="en-US" smtClean="0"/>
-              <a:t>1/3/23</a:t>
+              <a:t>1/10/23</a:t>
             </a:fld>
             <a:endParaRPr lang="en-US"/>
           </a:p>
@@ -2639,7 +2639,7 @@
           <a:p>
             <a:fld id="{BCDCF20A-1D81-4765-A7BF-6289062AC7A3}" type="datetime1">
               <a:rPr lang="en-US" smtClean="0"/>
-              <a:t>1/3/23</a:t>
+              <a:t>1/10/23</a:t>
             </a:fld>
             <a:endParaRPr lang="en-US"/>
           </a:p>
@@ -2810,7 +2810,7 @@
           <a:p>
             <a:fld id="{4B90368A-4981-4ABE-874D-CF96C485871E}" type="datetime1">
               <a:rPr lang="en-US" smtClean="0"/>
-              <a:t>1/3/23</a:t>
+              <a:t>1/10/23</a:t>
             </a:fld>
             <a:endParaRPr lang="en-US"/>
           </a:p>
@@ -3162,7 +3162,7 @@
           <a:p>
             <a:fld id="{D4EBA8ED-CF5B-4F08-A4F3-4EF706866F2A}" type="datetime1">
               <a:rPr lang="en-US" smtClean="0"/>
-              <a:t>1/3/23</a:t>
+              <a:t>1/10/23</a:t>
             </a:fld>
             <a:endParaRPr lang="en-US"/>
           </a:p>
@@ -3542,7 +3542,7 @@
           <a:p>
             <a:fld id="{FCE6421B-BCEE-4D8C-939B-7C7E6783DFBD}" type="datetime1">
               <a:rPr lang="en-US" smtClean="0"/>
-              <a:t>1/3/23</a:t>
+              <a:t>1/10/23</a:t>
             </a:fld>
             <a:endParaRPr lang="en-US"/>
           </a:p>
@@ -3827,7 +3827,7 @@
           <a:p>
             <a:fld id="{4AA39791-2184-4B0A-93AF-BA62E49B5D59}" type="datetime1">
               <a:rPr lang="en-US" smtClean="0"/>
-              <a:t>1/3/23</a:t>
+              <a:t>1/10/23</a:t>
             </a:fld>
             <a:endParaRPr lang="en-US"/>
           </a:p>
@@ -33020,7 +33020,7 @@
               <a:buChar char="q"/>
             </a:pPr>
             <a:r>
-              <a:rPr lang="en-US">
+              <a:rPr lang="en-US" dirty="0">
                 <a:solidFill>
                   <a:schemeClr val="tx1">
                     <a:lumMod val="85000"/>
@@ -33028,22 +33028,269 @@
                   </a:schemeClr>
                 </a:solidFill>
               </a:rPr>
-              <a:t> Tiền xử lý: tạo từ điển và tính trước giá trị </a:t>
-            </a:r>
-            <a:r>
-              <a:rPr lang="en-US">
+              <a:t> </a:t>
+            </a:r>
+            <a:r>
+              <a:rPr lang="en-US" dirty="0" err="1">
+                <a:solidFill>
+                  <a:schemeClr val="tx1">
+                    <a:lumMod val="85000"/>
+                    <a:lumOff val="15000"/>
+                  </a:schemeClr>
+                </a:solidFill>
+              </a:rPr>
+              <a:t>Tiền</a:t>
+            </a:r>
+            <a:r>
+              <a:rPr lang="en-US" dirty="0">
+                <a:solidFill>
+                  <a:schemeClr val="tx1">
+                    <a:lumMod val="85000"/>
+                    <a:lumOff val="15000"/>
+                  </a:schemeClr>
+                </a:solidFill>
+              </a:rPr>
+              <a:t> </a:t>
+            </a:r>
+            <a:r>
+              <a:rPr lang="en-US" dirty="0" err="1">
+                <a:solidFill>
+                  <a:schemeClr val="tx1">
+                    <a:lumMod val="85000"/>
+                    <a:lumOff val="15000"/>
+                  </a:schemeClr>
+                </a:solidFill>
+              </a:rPr>
+              <a:t>xử</a:t>
+            </a:r>
+            <a:r>
+              <a:rPr lang="en-US" dirty="0">
+                <a:solidFill>
+                  <a:schemeClr val="tx1">
+                    <a:lumMod val="85000"/>
+                    <a:lumOff val="15000"/>
+                  </a:schemeClr>
+                </a:solidFill>
+              </a:rPr>
+              <a:t> </a:t>
+            </a:r>
+            <a:r>
+              <a:rPr lang="en-US" dirty="0" err="1">
+                <a:solidFill>
+                  <a:schemeClr val="tx1">
+                    <a:lumMod val="85000"/>
+                    <a:lumOff val="15000"/>
+                  </a:schemeClr>
+                </a:solidFill>
+              </a:rPr>
+              <a:t>lý</a:t>
+            </a:r>
+            <a:r>
+              <a:rPr lang="en-US" dirty="0">
+                <a:solidFill>
+                  <a:schemeClr val="tx1">
+                    <a:lumMod val="85000"/>
+                    <a:lumOff val="15000"/>
+                  </a:schemeClr>
+                </a:solidFill>
+              </a:rPr>
+              <a:t>: </a:t>
+            </a:r>
+            <a:r>
+              <a:rPr lang="en-US" dirty="0" err="1">
+                <a:solidFill>
+                  <a:schemeClr val="tx1">
+                    <a:lumMod val="85000"/>
+                    <a:lumOff val="15000"/>
+                  </a:schemeClr>
+                </a:solidFill>
+              </a:rPr>
+              <a:t>tạo</a:t>
+            </a:r>
+            <a:r>
+              <a:rPr lang="en-US" dirty="0">
+                <a:solidFill>
+                  <a:schemeClr val="tx1">
+                    <a:lumMod val="85000"/>
+                    <a:lumOff val="15000"/>
+                  </a:schemeClr>
+                </a:solidFill>
+              </a:rPr>
+              <a:t> </a:t>
+            </a:r>
+            <a:r>
+              <a:rPr lang="en-US" dirty="0" err="1">
+                <a:solidFill>
+                  <a:schemeClr val="tx1">
+                    <a:lumMod val="85000"/>
+                    <a:lumOff val="15000"/>
+                  </a:schemeClr>
+                </a:solidFill>
+              </a:rPr>
+              <a:t>từ</a:t>
+            </a:r>
+            <a:r>
+              <a:rPr lang="en-US" dirty="0">
+                <a:solidFill>
+                  <a:schemeClr val="tx1">
+                    <a:lumMod val="85000"/>
+                    <a:lumOff val="15000"/>
+                  </a:schemeClr>
+                </a:solidFill>
+              </a:rPr>
+              <a:t> </a:t>
+            </a:r>
+            <a:r>
+              <a:rPr lang="en-US" dirty="0" err="1">
+                <a:solidFill>
+                  <a:schemeClr val="tx1">
+                    <a:lumMod val="85000"/>
+                    <a:lumOff val="15000"/>
+                  </a:schemeClr>
+                </a:solidFill>
+              </a:rPr>
+              <a:t>điển</a:t>
+            </a:r>
+            <a:r>
+              <a:rPr lang="en-US" dirty="0">
+                <a:solidFill>
+                  <a:schemeClr val="tx1">
+                    <a:lumMod val="85000"/>
+                    <a:lumOff val="15000"/>
+                  </a:schemeClr>
+                </a:solidFill>
+              </a:rPr>
+              <a:t> </a:t>
+            </a:r>
+            <a:r>
+              <a:rPr lang="en-US" dirty="0" err="1">
+                <a:solidFill>
+                  <a:schemeClr val="tx1">
+                    <a:lumMod val="85000"/>
+                    <a:lumOff val="15000"/>
+                  </a:schemeClr>
+                </a:solidFill>
+              </a:rPr>
+              <a:t>và</a:t>
+            </a:r>
+            <a:r>
+              <a:rPr lang="en-US" dirty="0">
+                <a:solidFill>
+                  <a:schemeClr val="tx1">
+                    <a:lumMod val="85000"/>
+                    <a:lumOff val="15000"/>
+                  </a:schemeClr>
+                </a:solidFill>
+              </a:rPr>
+              <a:t> </a:t>
+            </a:r>
+            <a:r>
+              <a:rPr lang="en-US" dirty="0" err="1">
+                <a:solidFill>
+                  <a:schemeClr val="tx1">
+                    <a:lumMod val="85000"/>
+                    <a:lumOff val="15000"/>
+                  </a:schemeClr>
+                </a:solidFill>
+              </a:rPr>
+              <a:t>tính</a:t>
+            </a:r>
+            <a:r>
+              <a:rPr lang="en-US" dirty="0">
+                <a:solidFill>
+                  <a:schemeClr val="tx1">
+                    <a:lumMod val="85000"/>
+                    <a:lumOff val="15000"/>
+                  </a:schemeClr>
+                </a:solidFill>
+              </a:rPr>
+              <a:t> </a:t>
+            </a:r>
+            <a:r>
+              <a:rPr lang="en-US" dirty="0" err="1">
+                <a:solidFill>
+                  <a:schemeClr val="tx1">
+                    <a:lumMod val="85000"/>
+                    <a:lumOff val="15000"/>
+                  </a:schemeClr>
+                </a:solidFill>
+              </a:rPr>
+              <a:t>trước</a:t>
+            </a:r>
+            <a:r>
+              <a:rPr lang="en-US" dirty="0">
+                <a:solidFill>
+                  <a:schemeClr val="tx1">
+                    <a:lumMod val="85000"/>
+                    <a:lumOff val="15000"/>
+                  </a:schemeClr>
+                </a:solidFill>
+              </a:rPr>
+              <a:t> </a:t>
+            </a:r>
+            <a:r>
+              <a:rPr lang="en-US" dirty="0" err="1">
+                <a:solidFill>
+                  <a:schemeClr val="tx1">
+                    <a:lumMod val="85000"/>
+                    <a:lumOff val="15000"/>
+                  </a:schemeClr>
+                </a:solidFill>
+              </a:rPr>
+              <a:t>giá</a:t>
+            </a:r>
+            <a:r>
+              <a:rPr lang="en-US" dirty="0">
+                <a:solidFill>
+                  <a:schemeClr val="tx1">
+                    <a:lumMod val="85000"/>
+                    <a:lumOff val="15000"/>
+                  </a:schemeClr>
+                </a:solidFill>
+              </a:rPr>
+              <a:t> </a:t>
+            </a:r>
+            <a:r>
+              <a:rPr lang="en-US" dirty="0" err="1">
+                <a:solidFill>
+                  <a:schemeClr val="tx1">
+                    <a:lumMod val="85000"/>
+                    <a:lumOff val="15000"/>
+                  </a:schemeClr>
+                </a:solidFill>
+              </a:rPr>
+              <a:t>trị</a:t>
+            </a:r>
+            <a:r>
+              <a:rPr lang="en-US" dirty="0">
+                <a:solidFill>
+                  <a:schemeClr val="tx1">
+                    <a:lumMod val="85000"/>
+                    <a:lumOff val="15000"/>
+                  </a:schemeClr>
+                </a:solidFill>
+              </a:rPr>
+              <a:t> </a:t>
+            </a:r>
+            <a:r>
+              <a:rPr lang="en-US" dirty="0" err="1">
                 <a:solidFill>
                   <a:srgbClr val="FF0000"/>
                 </a:solidFill>
               </a:rPr>
               <a:t>idf</a:t>
             </a:r>
+            <a:endParaRPr lang="en-US" dirty="0">
+              <a:solidFill>
+                <a:srgbClr val="FF0000"/>
+              </a:solidFill>
+            </a:endParaRPr>
           </a:p>
           <a:p>
             <a:pPr marL="0" indent="0">
               <a:buNone/>
             </a:pPr>
-            <a:endParaRPr lang="en-US">
+            <a:endParaRPr lang="en-US" dirty="0">
               <a:solidFill>
                 <a:schemeClr val="tx1">
                   <a:lumMod val="85000"/>
@@ -33294,7 +33541,7 @@
         </p:blipFill>
         <p:spPr>
           <a:xfrm>
-            <a:off x="1178062" y="2228905"/>
+            <a:off x="1178062" y="2207133"/>
             <a:ext cx="10696848" cy="2156282"/>
           </a:xfrm>
           <a:prstGeom prst="rect">
@@ -34204,7 +34451,7 @@
         </p:blipFill>
         <p:spPr>
           <a:xfrm>
-            <a:off x="3889978" y="2151286"/>
+            <a:off x="3889978" y="2140400"/>
             <a:ext cx="4444719" cy="3846391"/>
           </a:xfrm>
           <a:prstGeom prst="rect">
@@ -34398,8 +34645,8 @@
         </p:blipFill>
         <p:spPr>
           <a:xfrm>
-            <a:off x="1194181" y="2258401"/>
-            <a:ext cx="9960409" cy="2136618"/>
+            <a:off x="1194529" y="2182383"/>
+            <a:ext cx="10017954" cy="3956009"/>
           </a:xfrm>
           <a:prstGeom prst="rect">
             <a:avLst/>
@@ -34423,7 +34670,7 @@
     </p:spTree>
     <p:extLst>
       <p:ext uri="{BB962C8B-B14F-4D97-AF65-F5344CB8AC3E}">
-        <p14:creationId xmlns:p14="http://schemas.microsoft.com/office/powerpoint/2010/main" val="2511587462"/>
+        <p14:creationId xmlns:p14="http://schemas.microsoft.com/office/powerpoint/2010/main" val="1032264901"/>
       </p:ext>
     </p:extLst>
   </p:cSld>
@@ -34592,8 +34839,8 @@
         </p:blipFill>
         <p:spPr>
           <a:xfrm>
-            <a:off x="1194529" y="2182383"/>
-            <a:ext cx="10017954" cy="3956009"/>
+            <a:off x="1194181" y="2258401"/>
+            <a:ext cx="9960409" cy="2136618"/>
           </a:xfrm>
           <a:prstGeom prst="rect">
             <a:avLst/>
@@ -34617,7 +34864,7 @@
     </p:spTree>
     <p:extLst>
       <p:ext uri="{BB962C8B-B14F-4D97-AF65-F5344CB8AC3E}">
-        <p14:creationId xmlns:p14="http://schemas.microsoft.com/office/powerpoint/2010/main" val="1032264901"/>
+        <p14:creationId xmlns:p14="http://schemas.microsoft.com/office/powerpoint/2010/main" val="2511587462"/>
       </p:ext>
     </p:extLst>
   </p:cSld>
@@ -39946,6 +40193,12 @@
 </file>
 
 <file path=customXml/item1.xml><?xml version="1.0" encoding="utf-8"?>
+<p:properties xmlns:p="http://schemas.microsoft.com/office/2006/metadata/properties" xmlns:xsi="http://www.w3.org/2001/XMLSchema-instance" xmlns:pc="http://schemas.microsoft.com/office/infopath/2007/PartnerControls">
+  <documentManagement/>
+</p:properties>
+</file>
+
+<file path=customXml/item2.xml><?xml version="1.0" encoding="utf-8"?>
 <ct:contentTypeSchema xmlns:ct="http://schemas.microsoft.com/office/2006/metadata/contentType" xmlns:ma="http://schemas.microsoft.com/office/2006/metadata/properties/metaAttributes" ct:_="" ma:_="" ma:contentTypeName="Document" ma:contentTypeID="0x01010068F118E21B99204C91D146C561430925" ma:contentTypeVersion="4" ma:contentTypeDescription="Create a new document." ma:contentTypeScope="" ma:versionID="55b6a0e5318d4e37682ee6a89c351aad">
   <xsd:schema xmlns:xsd="http://www.w3.org/2001/XMLSchema" xmlns:xs="http://www.w3.org/2001/XMLSchema" xmlns:p="http://schemas.microsoft.com/office/2006/metadata/properties" xmlns:ns2="9e24faa2-8f4a-48de-ad6a-0e527f10a801" targetNamespace="http://schemas.microsoft.com/office/2006/metadata/properties" ma:root="true" ma:fieldsID="a8a6bde89e908da18980281cf9736dca" ns2:_="">
     <xsd:import namespace="9e24faa2-8f4a-48de-ad6a-0e527f10a801"/>
@@ -40089,7 +40342,7 @@
 </ct:contentTypeSchema>
 </file>
 
-<file path=customXml/item2.xml><?xml version="1.0" encoding="utf-8"?>
+<file path=customXml/item3.xml><?xml version="1.0" encoding="utf-8"?>
 <?mso-contentType ?>
 <FormTemplates xmlns="http://schemas.microsoft.com/sharepoint/v3/contenttype/forms">
   <Display>DocumentLibraryForm</Display>
@@ -40098,13 +40351,16 @@
 </FormTemplates>
 </file>
 
-<file path=customXml/item3.xml><?xml version="1.0" encoding="utf-8"?>
-<p:properties xmlns:p="http://schemas.microsoft.com/office/2006/metadata/properties" xmlns:xsi="http://www.w3.org/2001/XMLSchema-instance" xmlns:pc="http://schemas.microsoft.com/office/infopath/2007/PartnerControls">
-  <documentManagement/>
-</p:properties>
+<file path=customXml/itemProps1.xml><?xml version="1.0" encoding="utf-8"?>
+<ds:datastoreItem xmlns:ds="http://schemas.openxmlformats.org/officeDocument/2006/customXml" ds:itemID="{D2E255F5-F4DA-444C-9FAB-544398A99068}">
+  <ds:schemaRefs>
+    <ds:schemaRef ds:uri="http://schemas.microsoft.com/office/2006/metadata/properties"/>
+    <ds:schemaRef ds:uri="http://schemas.microsoft.com/office/infopath/2007/PartnerControls"/>
+  </ds:schemaRefs>
+</ds:datastoreItem>
 </file>
 
-<file path=customXml/itemProps1.xml><?xml version="1.0" encoding="utf-8"?>
+<file path=customXml/itemProps2.xml><?xml version="1.0" encoding="utf-8"?>
 <ds:datastoreItem xmlns:ds="http://schemas.openxmlformats.org/officeDocument/2006/customXml" ds:itemID="{2DC80E6D-9AE4-43A1-ACD2-496DF6CCA9BD}">
   <ds:schemaRefs>
     <ds:schemaRef ds:uri="http://schemas.microsoft.com/office/2006/metadata/contentType"/>
@@ -40122,19 +40378,10 @@
 </ds:datastoreItem>
 </file>
 
-<file path=customXml/itemProps2.xml><?xml version="1.0" encoding="utf-8"?>
+<file path=customXml/itemProps3.xml><?xml version="1.0" encoding="utf-8"?>
 <ds:datastoreItem xmlns:ds="http://schemas.openxmlformats.org/officeDocument/2006/customXml" ds:itemID="{5E12A1CB-CEB9-4FAF-83B9-1EEF83440A69}">
   <ds:schemaRefs>
     <ds:schemaRef ds:uri="http://schemas.microsoft.com/sharepoint/v3/contenttype/forms"/>
   </ds:schemaRefs>
 </ds:datastoreItem>
-</file>
-
-<file path=customXml/itemProps3.xml><?xml version="1.0" encoding="utf-8"?>
-<ds:datastoreItem xmlns:ds="http://schemas.openxmlformats.org/officeDocument/2006/customXml" ds:itemID="{D2E255F5-F4DA-444C-9FAB-544398A99068}">
-  <ds:schemaRefs>
-    <ds:schemaRef ds:uri="http://schemas.microsoft.com/office/2006/metadata/properties"/>
-    <ds:schemaRef ds:uri="http://schemas.microsoft.com/office/infopath/2007/PartnerControls"/>
-  </ds:schemaRefs>
-</ds:datastoreItem>
 </file>